--- a/DLP5.pptx
+++ b/DLP5.pptx
@@ -8,7 +8,7 @@
     <p:sldId id="256" r:id="rId2"/>
   </p:sldIdLst>
   <p:sldSz cx="12192000" cy="6858000"/>
-  <p:notesSz cx="6858000" cy="9144000"/>
+  <p:notesSz cx="6797675" cy="9929813"/>
   <p:defaultTextStyle>
     <a:defPPr>
       <a:defRPr lang="zh-CN"/>
@@ -270,7 +270,7 @@
           <a:p>
             <a:fld id="{14D0AAF6-C6A0-4C2D-8743-818A3C371154}" type="datetimeFigureOut">
               <a:rPr lang="zh-CN" altLang="en-US" smtClean="0"/>
-              <a:t>2023/11/13</a:t>
+              <a:t>2023/11/25</a:t>
             </a:fld>
             <a:endParaRPr lang="zh-CN" altLang="en-US"/>
           </a:p>
@@ -468,7 +468,7 @@
           <a:p>
             <a:fld id="{14D0AAF6-C6A0-4C2D-8743-818A3C371154}" type="datetimeFigureOut">
               <a:rPr lang="zh-CN" altLang="en-US" smtClean="0"/>
-              <a:t>2023/11/13</a:t>
+              <a:t>2023/11/25</a:t>
             </a:fld>
             <a:endParaRPr lang="zh-CN" altLang="en-US"/>
           </a:p>
@@ -676,7 +676,7 @@
           <a:p>
             <a:fld id="{14D0AAF6-C6A0-4C2D-8743-818A3C371154}" type="datetimeFigureOut">
               <a:rPr lang="zh-CN" altLang="en-US" smtClean="0"/>
-              <a:t>2023/11/13</a:t>
+              <a:t>2023/11/25</a:t>
             </a:fld>
             <a:endParaRPr lang="zh-CN" altLang="en-US"/>
           </a:p>
@@ -874,7 +874,7 @@
           <a:p>
             <a:fld id="{14D0AAF6-C6A0-4C2D-8743-818A3C371154}" type="datetimeFigureOut">
               <a:rPr lang="zh-CN" altLang="en-US" smtClean="0"/>
-              <a:t>2023/11/13</a:t>
+              <a:t>2023/11/25</a:t>
             </a:fld>
             <a:endParaRPr lang="zh-CN" altLang="en-US"/>
           </a:p>
@@ -1149,7 +1149,7 @@
           <a:p>
             <a:fld id="{14D0AAF6-C6A0-4C2D-8743-818A3C371154}" type="datetimeFigureOut">
               <a:rPr lang="zh-CN" altLang="en-US" smtClean="0"/>
-              <a:t>2023/11/13</a:t>
+              <a:t>2023/11/25</a:t>
             </a:fld>
             <a:endParaRPr lang="zh-CN" altLang="en-US"/>
           </a:p>
@@ -1414,7 +1414,7 @@
           <a:p>
             <a:fld id="{14D0AAF6-C6A0-4C2D-8743-818A3C371154}" type="datetimeFigureOut">
               <a:rPr lang="zh-CN" altLang="en-US" smtClean="0"/>
-              <a:t>2023/11/13</a:t>
+              <a:t>2023/11/25</a:t>
             </a:fld>
             <a:endParaRPr lang="zh-CN" altLang="en-US"/>
           </a:p>
@@ -1826,7 +1826,7 @@
           <a:p>
             <a:fld id="{14D0AAF6-C6A0-4C2D-8743-818A3C371154}" type="datetimeFigureOut">
               <a:rPr lang="zh-CN" altLang="en-US" smtClean="0"/>
-              <a:t>2023/11/13</a:t>
+              <a:t>2023/11/25</a:t>
             </a:fld>
             <a:endParaRPr lang="zh-CN" altLang="en-US"/>
           </a:p>
@@ -1967,7 +1967,7 @@
           <a:p>
             <a:fld id="{14D0AAF6-C6A0-4C2D-8743-818A3C371154}" type="datetimeFigureOut">
               <a:rPr lang="zh-CN" altLang="en-US" smtClean="0"/>
-              <a:t>2023/11/13</a:t>
+              <a:t>2023/11/25</a:t>
             </a:fld>
             <a:endParaRPr lang="zh-CN" altLang="en-US"/>
           </a:p>
@@ -2080,7 +2080,7 @@
           <a:p>
             <a:fld id="{14D0AAF6-C6A0-4C2D-8743-818A3C371154}" type="datetimeFigureOut">
               <a:rPr lang="zh-CN" altLang="en-US" smtClean="0"/>
-              <a:t>2023/11/13</a:t>
+              <a:t>2023/11/25</a:t>
             </a:fld>
             <a:endParaRPr lang="zh-CN" altLang="en-US"/>
           </a:p>
@@ -2391,7 +2391,7 @@
           <a:p>
             <a:fld id="{14D0AAF6-C6A0-4C2D-8743-818A3C371154}" type="datetimeFigureOut">
               <a:rPr lang="zh-CN" altLang="en-US" smtClean="0"/>
-              <a:t>2023/11/13</a:t>
+              <a:t>2023/11/25</a:t>
             </a:fld>
             <a:endParaRPr lang="zh-CN" altLang="en-US"/>
           </a:p>
@@ -2679,7 +2679,7 @@
           <a:p>
             <a:fld id="{14D0AAF6-C6A0-4C2D-8743-818A3C371154}" type="datetimeFigureOut">
               <a:rPr lang="zh-CN" altLang="en-US" smtClean="0"/>
-              <a:t>2023/11/13</a:t>
+              <a:t>2023/11/25</a:t>
             </a:fld>
             <a:endParaRPr lang="zh-CN" altLang="en-US"/>
           </a:p>
@@ -2920,7 +2920,7 @@
           <a:p>
             <a:fld id="{14D0AAF6-C6A0-4C2D-8743-818A3C371154}" type="datetimeFigureOut">
               <a:rPr lang="zh-CN" altLang="en-US" smtClean="0"/>
-              <a:t>2023/11/13</a:t>
+              <a:t>2023/11/25</a:t>
             </a:fld>
             <a:endParaRPr lang="zh-CN" altLang="en-US"/>
           </a:p>
@@ -7568,6 +7568,17 @@
           <a:bodyPr/>
           <a:lstStyle/>
           <a:p>
+            <a:r>
+              <a:rPr lang="en-US" altLang="zh-CN" b="0" i="0">
+                <a:solidFill>
+                  <a:srgbClr val="121212"/>
+                </a:solidFill>
+                <a:effectLst/>
+                <a:latin typeface="Microsoft YaHei" panose="020B0503020204020204" pitchFamily="34" charset="-122"/>
+                <a:ea typeface="Microsoft YaHei" panose="020B0503020204020204" pitchFamily="34" charset="-122"/>
+              </a:rPr>
+              <a:t>wbwtest@5128DECE.caswbwtest@5128DECE.cas</a:t>
+            </a:r>
             <a:endParaRPr lang="zh-CN" altLang="en-US"/>
           </a:p>
         </p:txBody>
